--- a/visualization.pptx
+++ b/visualization.pptx
@@ -3358,8 +3358,8 @@
         </p:nvSpPr>
         <p:spPr>
           <a:xfrm>
-            <a:off x="4742296" y="2812473"/>
-            <a:ext cx="2707408" cy="1477328"/>
+            <a:off x="2733511" y="2576946"/>
+            <a:ext cx="6724983" cy="2123658"/>
           </a:xfrm>
           <a:prstGeom prst="rect">
             <a:avLst/>
@@ -3374,37 +3374,32 @@
           <a:p>
             <a:pPr algn="ctr"/>
             <a:r>
-              <a:rPr kumimoji="1" lang="ko-KR" altLang="en-US" dirty="0" smtClean="0"/>
-              <a:t>토픽모델링과 시각화</a:t>
-            </a:r>
-            <a:endParaRPr kumimoji="1" lang="en-US" altLang="ko-KR" dirty="0" smtClean="0"/>
+              <a:rPr kumimoji="1" lang="en-US" altLang="ko-KR" sz="3600" dirty="0" smtClean="0"/>
+              <a:t>Topic modeling &amp; Visualization</a:t>
+            </a:r>
           </a:p>
           <a:p>
             <a:pPr algn="ctr"/>
-            <a:endParaRPr kumimoji="1" lang="en-US" altLang="ko-KR" dirty="0"/>
+            <a:endParaRPr kumimoji="1" lang="en-US" altLang="ko-KR" sz="2400" dirty="0"/>
           </a:p>
           <a:p>
             <a:pPr algn="ctr"/>
             <a:r>
-              <a:rPr kumimoji="1" lang="ko-KR" altLang="en-US" dirty="0" smtClean="0"/>
-              <a:t>고려대학교 </a:t>
-            </a:r>
-            <a:r>
-              <a:rPr kumimoji="1" lang="en-US" altLang="ko-KR" dirty="0" smtClean="0"/>
-              <a:t>DAVIAN Lab</a:t>
+              <a:rPr kumimoji="1" lang="en-US" altLang="ko-KR" sz="2400" dirty="0" smtClean="0"/>
+              <a:t>Korea University, DAVIAN Lab</a:t>
             </a:r>
           </a:p>
           <a:p>
             <a:pPr algn="ctr"/>
-            <a:endParaRPr kumimoji="1" lang="en-US" altLang="ko-KR" dirty="0"/>
+            <a:endParaRPr kumimoji="1" lang="en-US" altLang="ko-KR" sz="2400" dirty="0"/>
           </a:p>
           <a:p>
             <a:pPr algn="ctr"/>
             <a:r>
-              <a:rPr kumimoji="1" lang="ko-KR" altLang="en-US" dirty="0" smtClean="0"/>
+              <a:rPr kumimoji="1" lang="ko-KR" altLang="en-US" sz="2400" dirty="0" smtClean="0"/>
               <a:t>강경필</a:t>
             </a:r>
-            <a:endParaRPr kumimoji="1" lang="ko-KR" altLang="en-US" dirty="0"/>
+            <a:endParaRPr kumimoji="1" lang="ko-KR" altLang="en-US" sz="2400" dirty="0"/>
           </a:p>
         </p:txBody>
       </p:sp>
@@ -4999,8 +4994,8 @@
         </p:blipFill>
         <p:spPr>
           <a:xfrm>
-            <a:off x="1866900" y="1032164"/>
-            <a:ext cx="8458200" cy="5486400"/>
+            <a:off x="2235344" y="924791"/>
+            <a:ext cx="7721311" cy="5008418"/>
           </a:xfrm>
           <a:prstGeom prst="rect">
             <a:avLst/>
@@ -5077,36 +5072,6 @@
         </p:nvPicPr>
         <p:blipFill>
           <a:blip r:embed="rId2">
-            <a:extLst>
-              <a:ext uri="{28A0092B-C50C-407E-A947-70E740481C1C}">
-                <a14:useLocalDpi xmlns:a14="http://schemas.microsoft.com/office/drawing/2010/main" val="0"/>
-              </a:ext>
-            </a:extLst>
-          </a:blip>
-          <a:stretch>
-            <a:fillRect/>
-          </a:stretch>
-        </p:blipFill>
-        <p:spPr>
-          <a:xfrm>
-            <a:off x="0" y="692728"/>
-            <a:ext cx="12192000" cy="5922882"/>
-          </a:xfrm>
-          <a:prstGeom prst="rect">
-            <a:avLst/>
-          </a:prstGeom>
-        </p:spPr>
-      </p:pic>
-      <p:pic>
-        <p:nvPicPr>
-          <p:cNvPr id="5" name="그림 4"/>
-          <p:cNvPicPr>
-            <a:picLocks noChangeAspect="1"/>
-          </p:cNvPicPr>
-          <p:nvPr/>
-        </p:nvPicPr>
-        <p:blipFill>
-          <a:blip r:embed="rId3">
             <a:extLst>
               <a:ext uri="{28A0092B-C50C-407E-A947-70E740481C1C}">
                 <a14:useLocalDpi xmlns:a14="http://schemas.microsoft.com/office/drawing/2010/main" val="0"/>
